--- a/Capstone Project 3/Capstone Project 3 Presentation.pptx
+++ b/Capstone Project 3/Capstone Project 3 Presentation.pptx
@@ -210,7 +210,7 @@
           <a:p>
             <a:fld id="{36B0A0A1-D815-43D3-8707-14A0B027B387}" type="datetimeFigureOut">
               <a:rPr lang="en-US" smtClean="0"/>
-              <a:t>3/31/2021</a:t>
+              <a:t>4/9/2021</a:t>
             </a:fld>
             <a:endParaRPr lang="en-US"/>
           </a:p>
@@ -702,7 +702,7 @@
             <a:fld id="{5586B75A-687E-405C-8A0B-8D00578BA2C3}" type="datetimeFigureOut">
               <a:rPr lang="en-US" dirty="0"/>
               <a:pPr/>
-              <a:t>3/31/2021</a:t>
+              <a:t>4/9/2021</a:t>
             </a:fld>
             <a:endParaRPr lang="en-US" dirty="0"/>
           </a:p>
@@ -869,7 +869,7 @@
             <a:fld id="{5586B75A-687E-405C-8A0B-8D00578BA2C3}" type="datetimeFigureOut">
               <a:rPr lang="en-US" dirty="0"/>
               <a:pPr/>
-              <a:t>3/31/2021</a:t>
+              <a:t>4/9/2021</a:t>
             </a:fld>
             <a:endParaRPr lang="en-US" dirty="0"/>
           </a:p>
@@ -1046,7 +1046,7 @@
             <a:fld id="{5586B75A-687E-405C-8A0B-8D00578BA2C3}" type="datetimeFigureOut">
               <a:rPr lang="en-US" dirty="0"/>
               <a:pPr/>
-              <a:t>3/31/2021</a:t>
+              <a:t>4/9/2021</a:t>
             </a:fld>
             <a:endParaRPr lang="en-US" dirty="0"/>
           </a:p>
@@ -1213,7 +1213,7 @@
             <a:fld id="{5586B75A-687E-405C-8A0B-8D00578BA2C3}" type="datetimeFigureOut">
               <a:rPr lang="en-US" dirty="0"/>
               <a:pPr/>
-              <a:t>3/31/2021</a:t>
+              <a:t>4/9/2021</a:t>
             </a:fld>
             <a:endParaRPr lang="en-US" dirty="0"/>
           </a:p>
@@ -1468,7 +1468,7 @@
             <a:fld id="{5586B75A-687E-405C-8A0B-8D00578BA2C3}" type="datetimeFigureOut">
               <a:rPr lang="en-US" dirty="0"/>
               <a:pPr/>
-              <a:t>3/31/2021</a:t>
+              <a:t>4/9/2021</a:t>
             </a:fld>
             <a:endParaRPr lang="en-US" dirty="0"/>
           </a:p>
@@ -1753,7 +1753,7 @@
             <a:fld id="{5586B75A-687E-405C-8A0B-8D00578BA2C3}" type="datetimeFigureOut">
               <a:rPr lang="en-US" dirty="0"/>
               <a:pPr/>
-              <a:t>3/31/2021</a:t>
+              <a:t>4/9/2021</a:t>
             </a:fld>
             <a:endParaRPr lang="en-US" dirty="0"/>
           </a:p>
@@ -2192,7 +2192,7 @@
             <a:fld id="{5586B75A-687E-405C-8A0B-8D00578BA2C3}" type="datetimeFigureOut">
               <a:rPr lang="en-US" dirty="0"/>
               <a:pPr/>
-              <a:t>3/31/2021</a:t>
+              <a:t>4/9/2021</a:t>
             </a:fld>
             <a:endParaRPr lang="en-US" dirty="0"/>
           </a:p>
@@ -2307,7 +2307,7 @@
             <a:fld id="{5586B75A-687E-405C-8A0B-8D00578BA2C3}" type="datetimeFigureOut">
               <a:rPr lang="en-US" dirty="0"/>
               <a:pPr/>
-              <a:t>3/31/2021</a:t>
+              <a:t>4/9/2021</a:t>
             </a:fld>
             <a:endParaRPr lang="en-US" dirty="0"/>
           </a:p>
@@ -2399,7 +2399,7 @@
             <a:fld id="{5586B75A-687E-405C-8A0B-8D00578BA2C3}" type="datetimeFigureOut">
               <a:rPr lang="en-US" dirty="0"/>
               <a:pPr/>
-              <a:t>3/31/2021</a:t>
+              <a:t>4/9/2021</a:t>
             </a:fld>
             <a:endParaRPr lang="en-US" dirty="0"/>
           </a:p>
@@ -2684,7 +2684,7 @@
             <a:fld id="{5586B75A-687E-405C-8A0B-8D00578BA2C3}" type="datetimeFigureOut">
               <a:rPr lang="en-US" dirty="0"/>
               <a:pPr/>
-              <a:t>3/31/2021</a:t>
+              <a:t>4/9/2021</a:t>
             </a:fld>
             <a:endParaRPr lang="en-US" dirty="0"/>
           </a:p>
@@ -2954,7 +2954,7 @@
             <a:fld id="{5586B75A-687E-405C-8A0B-8D00578BA2C3}" type="datetimeFigureOut">
               <a:rPr lang="en-US" dirty="0"/>
               <a:pPr/>
-              <a:t>3/31/2021</a:t>
+              <a:t>4/9/2021</a:t>
             </a:fld>
             <a:endParaRPr lang="en-US" dirty="0"/>
           </a:p>
@@ -3248,7 +3248,7 @@
             <a:fld id="{5586B75A-687E-405C-8A0B-8D00578BA2C3}" type="datetimeFigureOut">
               <a:rPr lang="en-US" dirty="0"/>
               <a:pPr/>
-              <a:t>3/31/2021</a:t>
+              <a:t>4/9/2021</a:t>
             </a:fld>
             <a:endParaRPr lang="en-US" dirty="0"/>
           </a:p>
@@ -4325,31 +4325,6 @@
           </a:p>
         </p:txBody>
       </p:sp>
-      <p:sp>
-        <p:nvSpPr>
-          <p:cNvPr id="6" name="Content Placeholder 5">
-            <a:extLst>
-              <a:ext uri="{FF2B5EF4-FFF2-40B4-BE49-F238E27FC236}">
-                <a16:creationId xmlns:a16="http://schemas.microsoft.com/office/drawing/2014/main" id="{59782D8E-C622-4462-BD0D-D52DEB28D50A}"/>
-              </a:ext>
-            </a:extLst>
-          </p:cNvPr>
-          <p:cNvSpPr>
-            <a:spLocks noGrp="1"/>
-          </p:cNvSpPr>
-          <p:nvPr>
-            <p:ph idx="1"/>
-          </p:nvPr>
-        </p:nvSpPr>
-        <p:spPr/>
-        <p:txBody>
-          <a:bodyPr/>
-          <a:lstStyle/>
-          <a:p>
-            <a:endParaRPr lang="en-US"/>
-          </a:p>
-        </p:txBody>
-      </p:sp>
       <p:pic>
         <p:nvPicPr>
           <p:cNvPr id="4" name="Picture 3">
@@ -4372,14 +4347,131 @@
         </p:blipFill>
         <p:spPr>
           <a:xfrm>
-            <a:off x="3453414" y="638824"/>
-            <a:ext cx="8738586" cy="5580352"/>
+            <a:off x="3462291" y="0"/>
+            <a:ext cx="8291744" cy="5295005"/>
           </a:xfrm>
           <a:prstGeom prst="rect">
             <a:avLst/>
           </a:prstGeom>
         </p:spPr>
       </p:pic>
+      <p:sp>
+        <p:nvSpPr>
+          <p:cNvPr id="3" name="TextBox 2">
+            <a:extLst>
+              <a:ext uri="{FF2B5EF4-FFF2-40B4-BE49-F238E27FC236}">
+                <a16:creationId xmlns:a16="http://schemas.microsoft.com/office/drawing/2014/main" id="{4CB15395-D8D0-4334-B987-05C426068A6D}"/>
+              </a:ext>
+            </a:extLst>
+          </p:cNvPr>
+          <p:cNvSpPr txBox="1"/>
+          <p:nvPr/>
+        </p:nvSpPr>
+        <p:spPr>
+          <a:xfrm>
+            <a:off x="5157926" y="5205151"/>
+            <a:ext cx="4900474" cy="369332"/>
+          </a:xfrm>
+          <a:prstGeom prst="rect">
+            <a:avLst/>
+          </a:prstGeom>
+          <a:noFill/>
+        </p:spPr>
+        <p:txBody>
+          <a:bodyPr wrap="square" rtlCol="0">
+            <a:spAutoFit/>
+          </a:bodyPr>
+          <a:lstStyle/>
+          <a:p>
+            <a:r>
+              <a:rPr lang="en-US" dirty="0"/>
+              <a:t>Image : Confusion Matrix for CNN based Model</a:t>
+            </a:r>
+          </a:p>
+        </p:txBody>
+      </p:sp>
+      <p:sp>
+        <p:nvSpPr>
+          <p:cNvPr id="7" name="TextBox 6">
+            <a:extLst>
+              <a:ext uri="{FF2B5EF4-FFF2-40B4-BE49-F238E27FC236}">
+                <a16:creationId xmlns:a16="http://schemas.microsoft.com/office/drawing/2014/main" id="{1475058F-5D15-477F-83B7-4598D3DD5059}"/>
+              </a:ext>
+            </a:extLst>
+          </p:cNvPr>
+          <p:cNvSpPr txBox="1"/>
+          <p:nvPr/>
+        </p:nvSpPr>
+        <p:spPr>
+          <a:xfrm>
+            <a:off x="3808520" y="5574483"/>
+            <a:ext cx="7590408" cy="1200329"/>
+          </a:xfrm>
+          <a:prstGeom prst="rect">
+            <a:avLst/>
+          </a:prstGeom>
+          <a:noFill/>
+        </p:spPr>
+        <p:txBody>
+          <a:bodyPr wrap="square" rtlCol="0">
+            <a:spAutoFit/>
+          </a:bodyPr>
+          <a:lstStyle/>
+          <a:p>
+            <a:pPr>
+              <a:buClr>
+                <a:schemeClr val="accent1"/>
+              </a:buClr>
+            </a:pPr>
+            <a:r>
+              <a:rPr lang="en-US" dirty="0"/>
+              <a:t>Important Observation : </a:t>
+            </a:r>
+          </a:p>
+          <a:p>
+            <a:pPr marL="285750" indent="-285750">
+              <a:buClr>
+                <a:schemeClr val="accent1"/>
+              </a:buClr>
+              <a:buFont typeface="Arial" panose="020B0604020202020204" pitchFamily="34" charset="0"/>
+              <a:buChar char="•"/>
+            </a:pPr>
+            <a:r>
+              <a:rPr lang="en-US" dirty="0"/>
+              <a:t>10 Images belonging to </a:t>
+            </a:r>
+            <a:r>
+              <a:rPr lang="en-US" dirty="0" err="1"/>
+              <a:t>ClassId</a:t>
+            </a:r>
+            <a:r>
+              <a:rPr lang="en-US" dirty="0"/>
+              <a:t>  27 are being assigned to </a:t>
+            </a:r>
+            <a:r>
+              <a:rPr lang="en-US" dirty="0" err="1"/>
+              <a:t>ClassId</a:t>
+            </a:r>
+            <a:r>
+              <a:rPr lang="en-US" dirty="0"/>
+              <a:t> 21.</a:t>
+            </a:r>
+          </a:p>
+          <a:p>
+            <a:pPr marL="285750" indent="-285750">
+              <a:buClr>
+                <a:schemeClr val="accent1"/>
+              </a:buClr>
+              <a:buFont typeface="Arial" panose="020B0604020202020204" pitchFamily="34" charset="0"/>
+              <a:buChar char="•"/>
+            </a:pPr>
+            <a:r>
+              <a:rPr lang="en-US" dirty="0"/>
+              <a:t>This CNN model’s overall performance is really good with no other significant misclassifications.  </a:t>
+            </a:r>
+          </a:p>
+        </p:txBody>
+      </p:sp>
     </p:spTree>
     <p:extLst>
       <p:ext uri="{BB962C8B-B14F-4D97-AF65-F5344CB8AC3E}">
@@ -4825,14 +4917,152 @@
         </p:blipFill>
         <p:spPr>
           <a:xfrm>
-            <a:off x="5924865" y="0"/>
-            <a:ext cx="3147613" cy="6858000"/>
+            <a:off x="3838613" y="0"/>
+            <a:ext cx="3147613" cy="6161103"/>
           </a:xfrm>
           <a:prstGeom prst="rect">
             <a:avLst/>
           </a:prstGeom>
         </p:spPr>
       </p:pic>
+      <p:sp>
+        <p:nvSpPr>
+          <p:cNvPr id="4" name="TextBox 3">
+            <a:extLst>
+              <a:ext uri="{FF2B5EF4-FFF2-40B4-BE49-F238E27FC236}">
+                <a16:creationId xmlns:a16="http://schemas.microsoft.com/office/drawing/2014/main" id="{9B3E54FA-0CB8-4E5D-A4BE-54B358DCC9BF}"/>
+              </a:ext>
+            </a:extLst>
+          </p:cNvPr>
+          <p:cNvSpPr txBox="1"/>
+          <p:nvPr/>
+        </p:nvSpPr>
+        <p:spPr>
+          <a:xfrm>
+            <a:off x="7457243" y="1979785"/>
+            <a:ext cx="4261282" cy="2308324"/>
+          </a:xfrm>
+          <a:prstGeom prst="rect">
+            <a:avLst/>
+          </a:prstGeom>
+          <a:noFill/>
+        </p:spPr>
+        <p:txBody>
+          <a:bodyPr wrap="square" rtlCol="0">
+            <a:spAutoFit/>
+          </a:bodyPr>
+          <a:lstStyle/>
+          <a:p>
+            <a:pPr>
+              <a:buClr>
+                <a:schemeClr val="accent1"/>
+              </a:buClr>
+            </a:pPr>
+            <a:r>
+              <a:rPr lang="en-US" dirty="0"/>
+              <a:t>Observations –</a:t>
+            </a:r>
+          </a:p>
+          <a:p>
+            <a:pPr>
+              <a:buClr>
+                <a:schemeClr val="accent1"/>
+              </a:buClr>
+            </a:pPr>
+            <a:r>
+              <a:rPr lang="en-US" dirty="0"/>
+              <a:t> </a:t>
+            </a:r>
+          </a:p>
+          <a:p>
+            <a:pPr marL="285750" indent="-285750">
+              <a:buClr>
+                <a:schemeClr val="accent1"/>
+              </a:buClr>
+              <a:buFont typeface="Arial" panose="020B0604020202020204" pitchFamily="34" charset="0"/>
+              <a:buChar char="•"/>
+            </a:pPr>
+            <a:r>
+              <a:rPr lang="en-US" dirty="0"/>
+              <a:t>Most of the classes has very good f1 score of 1 or 0.99</a:t>
+            </a:r>
+          </a:p>
+          <a:p>
+            <a:pPr marL="285750" indent="-285750">
+              <a:buClr>
+                <a:schemeClr val="accent1"/>
+              </a:buClr>
+              <a:buFont typeface="Arial" panose="020B0604020202020204" pitchFamily="34" charset="0"/>
+              <a:buChar char="•"/>
+            </a:pPr>
+            <a:r>
+              <a:rPr lang="en-US" dirty="0"/>
+              <a:t>precision for Class 21 is comparatively low.</a:t>
+            </a:r>
+          </a:p>
+          <a:p>
+            <a:pPr marL="285750" indent="-285750">
+              <a:buClr>
+                <a:schemeClr val="accent1"/>
+              </a:buClr>
+              <a:buFont typeface="Arial" panose="020B0604020202020204" pitchFamily="34" charset="0"/>
+              <a:buChar char="•"/>
+            </a:pPr>
+            <a:r>
+              <a:rPr lang="en-US" dirty="0"/>
+              <a:t>Recall for Class 27 is comparatively low.</a:t>
+            </a:r>
+          </a:p>
+          <a:p>
+            <a:pPr marL="285750" indent="-285750">
+              <a:buClr>
+                <a:schemeClr val="accent1"/>
+              </a:buClr>
+              <a:buFont typeface="Arial" panose="020B0604020202020204" pitchFamily="34" charset="0"/>
+              <a:buChar char="•"/>
+            </a:pPr>
+            <a:r>
+              <a:rPr lang="en-US" dirty="0"/>
+              <a:t>Overall f1-score is .99</a:t>
+            </a:r>
+          </a:p>
+        </p:txBody>
+      </p:sp>
+      <p:sp>
+        <p:nvSpPr>
+          <p:cNvPr id="5" name="TextBox 4">
+            <a:extLst>
+              <a:ext uri="{FF2B5EF4-FFF2-40B4-BE49-F238E27FC236}">
+                <a16:creationId xmlns:a16="http://schemas.microsoft.com/office/drawing/2014/main" id="{E7684AEF-7C91-4437-9DB7-06B48AAA31DE}"/>
+              </a:ext>
+            </a:extLst>
+          </p:cNvPr>
+          <p:cNvSpPr txBox="1"/>
+          <p:nvPr/>
+        </p:nvSpPr>
+        <p:spPr>
+          <a:xfrm>
+            <a:off x="3764132" y="6285390"/>
+            <a:ext cx="6152225" cy="369332"/>
+          </a:xfrm>
+          <a:prstGeom prst="rect">
+            <a:avLst/>
+          </a:prstGeom>
+          <a:noFill/>
+        </p:spPr>
+        <p:txBody>
+          <a:bodyPr wrap="square" rtlCol="0">
+            <a:spAutoFit/>
+          </a:bodyPr>
+          <a:lstStyle/>
+          <a:p>
+            <a:r>
+              <a:rPr lang="en-US" dirty="0"/>
+              <a:t>Image : Classification Report of Weighted Ensemble Model </a:t>
+            </a:r>
+          </a:p>
+        </p:txBody>
+      </p:sp>
     </p:spTree>
     <p:extLst>
       <p:ext uri="{BB962C8B-B14F-4D97-AF65-F5344CB8AC3E}">
@@ -5386,8 +5616,8 @@
         </p:nvSpPr>
         <p:spPr>
           <a:xfrm>
-            <a:off x="3584722" y="864108"/>
-            <a:ext cx="7315200" cy="5120640"/>
+            <a:off x="3469312" y="796847"/>
+            <a:ext cx="7315200" cy="3457445"/>
           </a:xfrm>
         </p:spPr>
         <p:txBody>
@@ -5466,8 +5696,8 @@
         </p:blipFill>
         <p:spPr bwMode="auto">
           <a:xfrm>
-            <a:off x="3159760" y="1457325"/>
-            <a:ext cx="8410575" cy="3943350"/>
+            <a:off x="3604333" y="796847"/>
+            <a:ext cx="6196615" cy="3088113"/>
           </a:xfrm>
           <a:prstGeom prst="rect">
             <a:avLst/>
@@ -5484,6 +5714,149 @@
           </a:extLst>
         </p:spPr>
       </p:pic>
+      <p:sp>
+        <p:nvSpPr>
+          <p:cNvPr id="4" name="TextBox 3">
+            <a:extLst>
+              <a:ext uri="{FF2B5EF4-FFF2-40B4-BE49-F238E27FC236}">
+                <a16:creationId xmlns:a16="http://schemas.microsoft.com/office/drawing/2014/main" id="{196503A5-1316-4B11-98B4-F3E244FBD69B}"/>
+              </a:ext>
+            </a:extLst>
+          </p:cNvPr>
+          <p:cNvSpPr txBox="1"/>
+          <p:nvPr/>
+        </p:nvSpPr>
+        <p:spPr>
+          <a:xfrm>
+            <a:off x="5268896" y="3884960"/>
+            <a:ext cx="2867487" cy="369332"/>
+          </a:xfrm>
+          <a:prstGeom prst="rect">
+            <a:avLst/>
+          </a:prstGeom>
+          <a:noFill/>
+        </p:spPr>
+        <p:txBody>
+          <a:bodyPr wrap="square" rtlCol="0">
+            <a:spAutoFit/>
+          </a:bodyPr>
+          <a:lstStyle/>
+          <a:p>
+            <a:r>
+              <a:rPr lang="en-US" dirty="0"/>
+              <a:t>Image : </a:t>
+            </a:r>
+            <a:r>
+              <a:rPr lang="en-US" dirty="0" err="1"/>
+              <a:t>ClassId</a:t>
+            </a:r>
+            <a:r>
+              <a:rPr lang="en-US" dirty="0"/>
+              <a:t> vs Frequency </a:t>
+            </a:r>
+          </a:p>
+        </p:txBody>
+      </p:sp>
+      <p:sp>
+        <p:nvSpPr>
+          <p:cNvPr id="5" name="TextBox 4">
+            <a:extLst>
+              <a:ext uri="{FF2B5EF4-FFF2-40B4-BE49-F238E27FC236}">
+                <a16:creationId xmlns:a16="http://schemas.microsoft.com/office/drawing/2014/main" id="{0E0CEED4-E0C4-401B-8184-AF1004837DCA}"/>
+              </a:ext>
+            </a:extLst>
+          </p:cNvPr>
+          <p:cNvSpPr txBox="1"/>
+          <p:nvPr/>
+        </p:nvSpPr>
+        <p:spPr>
+          <a:xfrm>
+            <a:off x="3710866" y="4438835"/>
+            <a:ext cx="7073646" cy="1200329"/>
+          </a:xfrm>
+          <a:prstGeom prst="rect">
+            <a:avLst/>
+          </a:prstGeom>
+          <a:noFill/>
+        </p:spPr>
+        <p:txBody>
+          <a:bodyPr wrap="square" rtlCol="0">
+            <a:spAutoFit/>
+          </a:bodyPr>
+          <a:lstStyle/>
+          <a:p>
+            <a:pPr marL="285750" indent="-285750">
+              <a:buClr>
+                <a:schemeClr val="accent1"/>
+              </a:buClr>
+              <a:buFont typeface="Arial" panose="020B0604020202020204" pitchFamily="34" charset="0"/>
+              <a:buChar char="•"/>
+            </a:pPr>
+            <a:r>
+              <a:rPr lang="en-US" dirty="0"/>
+              <a:t>This </a:t>
+            </a:r>
+            <a:r>
+              <a:rPr lang="en-US" dirty="0" err="1"/>
+              <a:t>barplot</a:t>
+            </a:r>
+            <a:r>
+              <a:rPr lang="en-US" dirty="0"/>
+              <a:t> depicts </a:t>
+            </a:r>
+            <a:r>
+              <a:rPr lang="en-US" dirty="0" err="1"/>
+              <a:t>ClassIds</a:t>
+            </a:r>
+            <a:r>
+              <a:rPr lang="en-US" dirty="0"/>
+              <a:t> and their respective frequency in image dataset. </a:t>
+            </a:r>
+          </a:p>
+          <a:p>
+            <a:pPr marL="285750" indent="-285750">
+              <a:buClr>
+                <a:schemeClr val="accent1"/>
+              </a:buClr>
+              <a:buFont typeface="Arial" panose="020B0604020202020204" pitchFamily="34" charset="0"/>
+              <a:buChar char="•"/>
+            </a:pPr>
+            <a:r>
+              <a:rPr lang="en-US" dirty="0"/>
+              <a:t>Images with </a:t>
+            </a:r>
+            <a:r>
+              <a:rPr lang="en-US" dirty="0" err="1"/>
+              <a:t>ClassIds</a:t>
+            </a:r>
+            <a:r>
+              <a:rPr lang="en-US" dirty="0"/>
+              <a:t> 2, 1, 13 etc. had the highest frequency (&gt;2000)</a:t>
+            </a:r>
+          </a:p>
+          <a:p>
+            <a:pPr marL="285750" indent="-285750">
+              <a:buClr>
+                <a:schemeClr val="accent1"/>
+              </a:buClr>
+              <a:buFont typeface="Arial" panose="020B0604020202020204" pitchFamily="34" charset="0"/>
+              <a:buChar char="•"/>
+            </a:pPr>
+            <a:r>
+              <a:rPr lang="en-US" dirty="0"/>
+              <a:t>Images with </a:t>
+            </a:r>
+            <a:r>
+              <a:rPr lang="en-US" dirty="0" err="1"/>
+              <a:t>ClassIds</a:t>
+            </a:r>
+            <a:r>
+              <a:rPr lang="en-US" dirty="0"/>
+              <a:t> 37, 19, 0 etc. had the least frequency (~=200) </a:t>
+            </a:r>
+          </a:p>
+        </p:txBody>
+      </p:sp>
     </p:spTree>
     <p:extLst>
       <p:ext uri="{BB962C8B-B14F-4D97-AF65-F5344CB8AC3E}">
@@ -5536,8 +5909,8 @@
         </p:blipFill>
         <p:spPr>
           <a:xfrm>
-            <a:off x="121163" y="1970843"/>
-            <a:ext cx="5337326" cy="4871621"/>
+            <a:off x="2574524" y="87625"/>
+            <a:ext cx="4305670" cy="4727537"/>
           </a:xfrm>
           <a:prstGeom prst="rect">
             <a:avLst/>
@@ -5566,8 +5939,8 @@
         </p:blipFill>
         <p:spPr>
           <a:xfrm>
-            <a:off x="5536542" y="0"/>
-            <a:ext cx="6655458" cy="6858000"/>
+            <a:off x="6982287" y="0"/>
+            <a:ext cx="4672614" cy="4727537"/>
           </a:xfrm>
           <a:prstGeom prst="rect">
             <a:avLst/>
@@ -5589,7 +5962,7 @@
         <p:spPr>
           <a:xfrm>
             <a:off x="121163" y="372862"/>
-            <a:ext cx="4410557" cy="584775"/>
+            <a:ext cx="1814169" cy="1077218"/>
           </a:xfrm>
           <a:prstGeom prst="rect">
             <a:avLst/>
@@ -5604,7 +5977,95 @@
           <a:p>
             <a:r>
               <a:rPr lang="en-US" sz="3200" b="1" dirty="0"/>
-              <a:t>Meta Images</a:t>
+              <a:t>Meta </a:t>
+            </a:r>
+          </a:p>
+          <a:p>
+            <a:r>
+              <a:rPr lang="en-US" sz="3200" b="1" dirty="0"/>
+              <a:t>Images</a:t>
+            </a:r>
+          </a:p>
+        </p:txBody>
+      </p:sp>
+      <p:sp>
+        <p:nvSpPr>
+          <p:cNvPr id="2" name="TextBox 1">
+            <a:extLst>
+              <a:ext uri="{FF2B5EF4-FFF2-40B4-BE49-F238E27FC236}">
+                <a16:creationId xmlns:a16="http://schemas.microsoft.com/office/drawing/2014/main" id="{160A0AA1-E943-49B7-AE65-BE3B5800A9CB}"/>
+              </a:ext>
+            </a:extLst>
+          </p:cNvPr>
+          <p:cNvSpPr txBox="1"/>
+          <p:nvPr/>
+        </p:nvSpPr>
+        <p:spPr>
+          <a:xfrm>
+            <a:off x="729448" y="5557421"/>
+            <a:ext cx="10733103" cy="369332"/>
+          </a:xfrm>
+          <a:prstGeom prst="rect">
+            <a:avLst/>
+          </a:prstGeom>
+          <a:noFill/>
+        </p:spPr>
+        <p:txBody>
+          <a:bodyPr wrap="square" rtlCol="0">
+            <a:spAutoFit/>
+          </a:bodyPr>
+          <a:lstStyle/>
+          <a:p>
+            <a:pPr marL="285750" indent="-285750">
+              <a:buClr>
+                <a:schemeClr val="accent1"/>
+              </a:buClr>
+              <a:buFont typeface="Arial" panose="020B0604020202020204" pitchFamily="34" charset="0"/>
+              <a:buChar char="•"/>
+            </a:pPr>
+            <a:r>
+              <a:rPr lang="en-US" dirty="0"/>
+              <a:t>The above are the 43 Meta Images with their respective </a:t>
+            </a:r>
+            <a:r>
+              <a:rPr lang="en-US" dirty="0" err="1"/>
+              <a:t>ClassIDs</a:t>
+            </a:r>
+            <a:endParaRPr lang="en-US" dirty="0"/>
+          </a:p>
+        </p:txBody>
+      </p:sp>
+      <p:sp>
+        <p:nvSpPr>
+          <p:cNvPr id="4" name="TextBox 3">
+            <a:extLst>
+              <a:ext uri="{FF2B5EF4-FFF2-40B4-BE49-F238E27FC236}">
+                <a16:creationId xmlns:a16="http://schemas.microsoft.com/office/drawing/2014/main" id="{7797ED80-7B78-47E7-8C45-D644BEF1E089}"/>
+              </a:ext>
+            </a:extLst>
+          </p:cNvPr>
+          <p:cNvSpPr txBox="1"/>
+          <p:nvPr/>
+        </p:nvSpPr>
+        <p:spPr>
+          <a:xfrm>
+            <a:off x="3994951" y="4918229"/>
+            <a:ext cx="5974672" cy="369332"/>
+          </a:xfrm>
+          <a:prstGeom prst="rect">
+            <a:avLst/>
+          </a:prstGeom>
+          <a:noFill/>
+        </p:spPr>
+        <p:txBody>
+          <a:bodyPr wrap="square" rtlCol="0">
+            <a:spAutoFit/>
+          </a:bodyPr>
+          <a:lstStyle/>
+          <a:p>
+            <a:r>
+              <a:rPr lang="en-US" dirty="0"/>
+              <a:t>Images : Meta Images of 43 Image Classes of Input dataset.</a:t>
             </a:r>
           </a:p>
         </p:txBody>
@@ -5667,266 +6128,829 @@
           </a:p>
         </p:txBody>
       </p:sp>
-      <p:sp>
-        <p:nvSpPr>
-          <p:cNvPr id="4" name="Content Placeholder 3">
+      <p:pic>
+        <p:nvPicPr>
+          <p:cNvPr id="7" name="Picture 6">
             <a:extLst>
               <a:ext uri="{FF2B5EF4-FFF2-40B4-BE49-F238E27FC236}">
-                <a16:creationId xmlns:a16="http://schemas.microsoft.com/office/drawing/2014/main" id="{243664C3-5FC1-4612-82DF-B98E8C974735}"/>
-              </a:ext>
-            </a:extLst>
-          </p:cNvPr>
-          <p:cNvSpPr>
-            <a:spLocks noGrp="1"/>
-          </p:cNvSpPr>
-          <p:nvPr>
-            <p:ph idx="1"/>
-          </p:nvPr>
-        </p:nvSpPr>
-        <p:spPr/>
-        <p:txBody>
-          <a:bodyPr/>
-          <a:lstStyle/>
-          <a:p>
-            <a:endParaRPr lang="en-US" dirty="0"/>
-          </a:p>
-        </p:txBody>
-      </p:sp>
-      <p:pic>
-        <p:nvPicPr>
-          <p:cNvPr id="3073" name="Picture 1">
-            <a:extLst>
-              <a:ext uri="{FF2B5EF4-FFF2-40B4-BE49-F238E27FC236}">
-                <a16:creationId xmlns:a16="http://schemas.microsoft.com/office/drawing/2014/main" id="{04E501FF-E9E6-4BA4-92E6-9340705C3F4B}"/>
+                <a16:creationId xmlns:a16="http://schemas.microsoft.com/office/drawing/2014/main" id="{274110DC-7FF2-4DE6-B8F3-246BAF2DD770}"/>
               </a:ext>
             </a:extLst>
           </p:cNvPr>
           <p:cNvPicPr>
-            <a:picLocks noChangeAspect="1" noChangeArrowheads="1"/>
+            <a:picLocks noChangeAspect="1"/>
           </p:cNvPicPr>
           <p:nvPr/>
         </p:nvPicPr>
         <p:blipFill>
-          <a:blip r:embed="rId2">
-            <a:extLst>
-              <a:ext uri="{28A0092B-C50C-407E-A947-70E740481C1C}">
-                <a14:useLocalDpi xmlns:a14="http://schemas.microsoft.com/office/drawing/2010/main" val="0"/>
-              </a:ext>
-            </a:extLst>
-          </a:blip>
-          <a:srcRect/>
+          <a:blip r:embed="rId2"/>
           <a:stretch>
             <a:fillRect/>
           </a:stretch>
         </p:blipFill>
-        <p:spPr bwMode="auto">
+        <p:spPr>
           <a:xfrm>
-            <a:off x="3200399" y="-36576"/>
-            <a:ext cx="8634983" cy="1332282"/>
+            <a:off x="3611351" y="567442"/>
+            <a:ext cx="3673158" cy="5723116"/>
+          </a:xfrm>
+          <a:prstGeom prst="rect">
+            <a:avLst/>
+          </a:prstGeom>
+        </p:spPr>
+      </p:pic>
+      <p:sp>
+        <p:nvSpPr>
+          <p:cNvPr id="8" name="TextBox 7">
+            <a:extLst>
+              <a:ext uri="{FF2B5EF4-FFF2-40B4-BE49-F238E27FC236}">
+                <a16:creationId xmlns:a16="http://schemas.microsoft.com/office/drawing/2014/main" id="{1F9A52EA-0294-4B98-AB84-840F1A470D8A}"/>
+              </a:ext>
+            </a:extLst>
+          </p:cNvPr>
+          <p:cNvSpPr txBox="1"/>
+          <p:nvPr/>
+        </p:nvSpPr>
+        <p:spPr>
+          <a:xfrm>
+            <a:off x="7695459" y="1215185"/>
+            <a:ext cx="4003829" cy="2862322"/>
           </a:xfrm>
           <a:prstGeom prst="rect">
             <a:avLst/>
           </a:prstGeom>
           <a:noFill/>
-          <a:extLst>
-            <a:ext uri="{909E8E84-426E-40DD-AFC4-6F175D3DCCD1}">
-              <a14:hiddenFill xmlns:a14="http://schemas.microsoft.com/office/drawing/2010/main">
-                <a:solidFill>
-                  <a:srgbClr val="FFFFFF"/>
-                </a:solidFill>
-              </a14:hiddenFill>
-            </a:ext>
-          </a:extLst>
         </p:spPr>
-      </p:pic>
-      <p:pic>
-        <p:nvPicPr>
-          <p:cNvPr id="3074" name="Picture 2">
+        <p:txBody>
+          <a:bodyPr wrap="square" rtlCol="0">
+            <a:spAutoFit/>
+          </a:bodyPr>
+          <a:lstStyle/>
+          <a:p>
+            <a:pPr marL="285750" indent="-285750">
+              <a:buClr>
+                <a:schemeClr val="accent1"/>
+              </a:buClr>
+              <a:buFont typeface="Arial" panose="020B0604020202020204" pitchFamily="34" charset="0"/>
+              <a:buChar char="•"/>
+            </a:pPr>
+            <a:r>
+              <a:rPr lang="en-US" dirty="0"/>
+              <a:t>These are some of the Augmented Images and their respective Original Image</a:t>
+            </a:r>
+          </a:p>
+          <a:p>
+            <a:pPr marL="285750" indent="-285750">
+              <a:buClr>
+                <a:schemeClr val="accent1"/>
+              </a:buClr>
+              <a:buFont typeface="Arial" panose="020B0604020202020204" pitchFamily="34" charset="0"/>
+              <a:buChar char="•"/>
+            </a:pPr>
+            <a:r>
+              <a:rPr lang="en-US" dirty="0"/>
+              <a:t>I have done two affine transformation (Rotation and Shear) on all Image to increase number of Image.</a:t>
+            </a:r>
+          </a:p>
+          <a:p>
+            <a:pPr marL="285750" indent="-285750">
+              <a:buClr>
+                <a:schemeClr val="accent1"/>
+              </a:buClr>
+              <a:buFont typeface="Arial" panose="020B0604020202020204" pitchFamily="34" charset="0"/>
+              <a:buChar char="•"/>
+            </a:pPr>
+            <a:r>
+              <a:rPr lang="en-US" dirty="0"/>
+              <a:t>Image Augmentation also helps in generalizing the model.</a:t>
+            </a:r>
+          </a:p>
+          <a:p>
+            <a:pPr>
+              <a:buClr>
+                <a:schemeClr val="accent1"/>
+              </a:buClr>
+            </a:pPr>
+            <a:endParaRPr lang="en-US" dirty="0"/>
+          </a:p>
+        </p:txBody>
+      </p:sp>
+      <p:sp>
+        <p:nvSpPr>
+          <p:cNvPr id="9" name="TextBox 8">
             <a:extLst>
               <a:ext uri="{FF2B5EF4-FFF2-40B4-BE49-F238E27FC236}">
-                <a16:creationId xmlns:a16="http://schemas.microsoft.com/office/drawing/2014/main" id="{7EEFDDFC-0B26-4BC0-A6D2-3E4350BCB889}"/>
+                <a16:creationId xmlns:a16="http://schemas.microsoft.com/office/drawing/2014/main" id="{5F0C8827-E1B2-499A-902E-8063EAFCB9D2}"/>
               </a:ext>
             </a:extLst>
           </p:cNvPr>
-          <p:cNvPicPr>
-            <a:picLocks noChangeAspect="1" noChangeArrowheads="1"/>
-          </p:cNvPicPr>
+          <p:cNvSpPr txBox="1"/>
           <p:nvPr/>
-        </p:nvPicPr>
-        <p:blipFill>
-          <a:blip r:embed="rId3">
-            <a:extLst>
-              <a:ext uri="{28A0092B-C50C-407E-A947-70E740481C1C}">
-                <a14:useLocalDpi xmlns:a14="http://schemas.microsoft.com/office/drawing/2010/main" val="0"/>
-              </a:ext>
-            </a:extLst>
-          </a:blip>
-          <a:srcRect/>
-          <a:stretch>
-            <a:fillRect/>
-          </a:stretch>
-        </p:blipFill>
-        <p:spPr bwMode="auto">
+        </p:nvSpPr>
+        <p:spPr>
           <a:xfrm>
-            <a:off x="3200399" y="1332282"/>
-            <a:ext cx="8634983" cy="1372705"/>
+            <a:off x="3693110" y="6290558"/>
+            <a:ext cx="5761608" cy="369332"/>
           </a:xfrm>
           <a:prstGeom prst="rect">
             <a:avLst/>
           </a:prstGeom>
           <a:noFill/>
-          <a:extLst>
-            <a:ext uri="{909E8E84-426E-40DD-AFC4-6F175D3DCCD1}">
-              <a14:hiddenFill xmlns:a14="http://schemas.microsoft.com/office/drawing/2010/main">
-                <a:solidFill>
-                  <a:srgbClr val="FFFFFF"/>
-                </a:solidFill>
-              </a14:hiddenFill>
-            </a:ext>
-          </a:extLst>
         </p:spPr>
-      </p:pic>
-      <p:pic>
-        <p:nvPicPr>
-          <p:cNvPr id="3075" name="Picture 3">
+        <p:txBody>
+          <a:bodyPr wrap="square" rtlCol="0">
+            <a:spAutoFit/>
+          </a:bodyPr>
+          <a:lstStyle/>
+          <a:p>
+            <a:r>
+              <a:rPr lang="en-US" dirty="0"/>
+              <a:t>Image : Sample Augmented Image and Original Images.</a:t>
+            </a:r>
+          </a:p>
+        </p:txBody>
+      </p:sp>
+      <p:sp>
+        <p:nvSpPr>
+          <p:cNvPr id="10" name="Rectangle 1">
             <a:extLst>
               <a:ext uri="{FF2B5EF4-FFF2-40B4-BE49-F238E27FC236}">
-                <a16:creationId xmlns:a16="http://schemas.microsoft.com/office/drawing/2014/main" id="{EDA02E75-79B8-4A15-9D1F-7502A2DCB8CE}"/>
+                <a16:creationId xmlns:a16="http://schemas.microsoft.com/office/drawing/2014/main" id="{BEDBABC6-9093-4B45-8776-F1A4561342FD}"/>
               </a:ext>
             </a:extLst>
           </p:cNvPr>
-          <p:cNvPicPr>
-            <a:picLocks noChangeAspect="1" noChangeArrowheads="1"/>
-          </p:cNvPicPr>
+          <p:cNvSpPr>
+            <a:spLocks noChangeArrowheads="1"/>
+          </p:cNvSpPr>
           <p:nvPr/>
-        </p:nvPicPr>
-        <p:blipFill>
-          <a:blip r:embed="rId4">
-            <a:extLst>
-              <a:ext uri="{28A0092B-C50C-407E-A947-70E740481C1C}">
-                <a14:useLocalDpi xmlns:a14="http://schemas.microsoft.com/office/drawing/2010/main" val="0"/>
-              </a:ext>
-            </a:extLst>
-          </a:blip>
-          <a:srcRect/>
-          <a:stretch>
-            <a:fillRect/>
-          </a:stretch>
-        </p:blipFill>
+        </p:nvSpPr>
         <p:spPr bwMode="auto">
           <a:xfrm>
-            <a:off x="3200399" y="2704987"/>
-            <a:ext cx="8634985" cy="1332282"/>
+            <a:off x="8168934" y="4244825"/>
+            <a:ext cx="2571567" cy="1200329"/>
           </a:xfrm>
           <a:prstGeom prst="rect">
             <a:avLst/>
           </a:prstGeom>
-          <a:noFill/>
+          <a:solidFill>
+            <a:srgbClr val="F7F7F7"/>
+          </a:solidFill>
+          <a:ln>
+            <a:noFill/>
+          </a:ln>
+          <a:effectLst/>
           <a:extLst>
-            <a:ext uri="{909E8E84-426E-40DD-AFC4-6F175D3DCCD1}">
-              <a14:hiddenFill xmlns:a14="http://schemas.microsoft.com/office/drawing/2010/main">
+            <a:ext uri="{91240B29-F687-4F45-9708-019B960494DF}">
+              <a14:hiddenLine xmlns:a14="http://schemas.microsoft.com/office/drawing/2010/main" w="9525">
                 <a:solidFill>
-                  <a:srgbClr val="FFFFFF"/>
+                  <a:schemeClr val="tx1"/>
                 </a:solidFill>
-              </a14:hiddenFill>
+                <a:miter lim="800000"/>
+                <a:headEnd/>
+                <a:tailEnd/>
+              </a14:hiddenLine>
+            </a:ext>
+            <a:ext uri="{AF507438-7753-43E0-B8FC-AC1667EBCBE1}">
+              <a14:hiddenEffects xmlns:a14="http://schemas.microsoft.com/office/drawing/2010/main">
+                <a:effectLst>
+                  <a:outerShdw dist="35921" dir="2700000" algn="ctr" rotWithShape="0">
+                    <a:schemeClr val="bg2"/>
+                  </a:outerShdw>
+                </a:effectLst>
+              </a14:hiddenEffects>
             </a:ext>
           </a:extLst>
         </p:spPr>
-      </p:pic>
-      <p:pic>
-        <p:nvPicPr>
-          <p:cNvPr id="3076" name="Picture 4">
-            <a:extLst>
-              <a:ext uri="{FF2B5EF4-FFF2-40B4-BE49-F238E27FC236}">
-                <a16:creationId xmlns:a16="http://schemas.microsoft.com/office/drawing/2014/main" id="{66BF4933-98E8-409C-AE51-0E6B900C2985}"/>
-              </a:ext>
-            </a:extLst>
-          </p:cNvPr>
-          <p:cNvPicPr>
-            <a:picLocks noChangeAspect="1" noChangeArrowheads="1"/>
-          </p:cNvPicPr>
-          <p:nvPr/>
-        </p:nvPicPr>
-        <p:blipFill>
-          <a:blip r:embed="rId5">
-            <a:extLst>
-              <a:ext uri="{28A0092B-C50C-407E-A947-70E740481C1C}">
-                <a14:useLocalDpi xmlns:a14="http://schemas.microsoft.com/office/drawing/2010/main" val="0"/>
-              </a:ext>
-            </a:extLst>
-          </a:blip>
-          <a:srcRect/>
-          <a:stretch>
-            <a:fillRect/>
-          </a:stretch>
-        </p:blipFill>
-        <p:spPr bwMode="auto">
-          <a:xfrm>
-            <a:off x="3209375" y="3956068"/>
-            <a:ext cx="8634985" cy="1332282"/>
-          </a:xfrm>
-          <a:prstGeom prst="rect">
-            <a:avLst/>
-          </a:prstGeom>
-          <a:noFill/>
-          <a:extLst>
-            <a:ext uri="{909E8E84-426E-40DD-AFC4-6F175D3DCCD1}">
-              <a14:hiddenFill xmlns:a14="http://schemas.microsoft.com/office/drawing/2010/main">
+        <p:txBody>
+          <a:bodyPr vert="horz" wrap="square" lIns="0" tIns="0" rIns="0" bIns="0" numCol="1" anchor="ctr" anchorCtr="0" compatLnSpc="1">
+            <a:prstTxWarp prst="textNoShape">
+              <a:avLst/>
+            </a:prstTxWarp>
+            <a:spAutoFit/>
+          </a:bodyPr>
+          <a:lstStyle>
+            <a:lvl1pPr eaLnBrk="0" fontAlgn="base" hangingPunct="0">
+              <a:spcBef>
+                <a:spcPct val="30000"/>
+              </a:spcBef>
+              <a:spcAft>
+                <a:spcPct val="0"/>
+              </a:spcAft>
+              <a:defRPr sz="1200">
                 <a:solidFill>
-                  <a:srgbClr val="FFFFFF"/>
+                  <a:schemeClr val="tx1"/>
                 </a:solidFill>
-              </a14:hiddenFill>
-            </a:ext>
-          </a:extLst>
-        </p:spPr>
-      </p:pic>
-      <p:pic>
-        <p:nvPicPr>
-          <p:cNvPr id="3077" name="Picture 5">
-            <a:extLst>
-              <a:ext uri="{FF2B5EF4-FFF2-40B4-BE49-F238E27FC236}">
-                <a16:creationId xmlns:a16="http://schemas.microsoft.com/office/drawing/2014/main" id="{B0899C9B-32D3-4466-8D4D-61ED1B784234}"/>
-              </a:ext>
-            </a:extLst>
-          </p:cNvPr>
-          <p:cNvPicPr>
-            <a:picLocks noChangeAspect="1" noChangeArrowheads="1"/>
-          </p:cNvPicPr>
-          <p:nvPr/>
-        </p:nvPicPr>
-        <p:blipFill>
-          <a:blip r:embed="rId6">
-            <a:extLst>
-              <a:ext uri="{28A0092B-C50C-407E-A947-70E740481C1C}">
-                <a14:useLocalDpi xmlns:a14="http://schemas.microsoft.com/office/drawing/2010/main" val="0"/>
-              </a:ext>
-            </a:extLst>
-          </a:blip>
-          <a:srcRect/>
-          <a:stretch>
-            <a:fillRect/>
-          </a:stretch>
-        </p:blipFill>
-        <p:spPr bwMode="auto">
-          <a:xfrm>
-            <a:off x="3209375" y="5288350"/>
-            <a:ext cx="8626007" cy="1409281"/>
-          </a:xfrm>
-          <a:prstGeom prst="rect">
-            <a:avLst/>
-          </a:prstGeom>
-          <a:noFill/>
-          <a:extLst>
-            <a:ext uri="{909E8E84-426E-40DD-AFC4-6F175D3DCCD1}">
-              <a14:hiddenFill xmlns:a14="http://schemas.microsoft.com/office/drawing/2010/main">
+                <a:latin typeface="Arial" panose="020B0604020202020204" pitchFamily="34" charset="0"/>
+              </a:defRPr>
+            </a:lvl1pPr>
+            <a:lvl2pPr eaLnBrk="0" fontAlgn="base" hangingPunct="0">
+              <a:spcBef>
+                <a:spcPct val="30000"/>
+              </a:spcBef>
+              <a:spcAft>
+                <a:spcPct val="0"/>
+              </a:spcAft>
+              <a:defRPr sz="1200">
                 <a:solidFill>
-                  <a:srgbClr val="FFFFFF"/>
+                  <a:schemeClr val="tx1"/>
                 </a:solidFill>
-              </a14:hiddenFill>
-            </a:ext>
-          </a:extLst>
-        </p:spPr>
-      </p:pic>
+                <a:latin typeface="Arial" panose="020B0604020202020204" pitchFamily="34" charset="0"/>
+              </a:defRPr>
+            </a:lvl2pPr>
+            <a:lvl3pPr eaLnBrk="0" fontAlgn="base" hangingPunct="0">
+              <a:spcBef>
+                <a:spcPct val="30000"/>
+              </a:spcBef>
+              <a:spcAft>
+                <a:spcPct val="0"/>
+              </a:spcAft>
+              <a:defRPr sz="1200">
+                <a:solidFill>
+                  <a:schemeClr val="tx1"/>
+                </a:solidFill>
+                <a:latin typeface="Arial" panose="020B0604020202020204" pitchFamily="34" charset="0"/>
+              </a:defRPr>
+            </a:lvl3pPr>
+            <a:lvl4pPr eaLnBrk="0" fontAlgn="base" hangingPunct="0">
+              <a:spcBef>
+                <a:spcPct val="30000"/>
+              </a:spcBef>
+              <a:spcAft>
+                <a:spcPct val="0"/>
+              </a:spcAft>
+              <a:defRPr sz="1200">
+                <a:solidFill>
+                  <a:schemeClr val="tx1"/>
+                </a:solidFill>
+                <a:latin typeface="Arial" panose="020B0604020202020204" pitchFamily="34" charset="0"/>
+              </a:defRPr>
+            </a:lvl4pPr>
+            <a:lvl5pPr eaLnBrk="0" fontAlgn="base" hangingPunct="0">
+              <a:spcBef>
+                <a:spcPct val="30000"/>
+              </a:spcBef>
+              <a:spcAft>
+                <a:spcPct val="0"/>
+              </a:spcAft>
+              <a:defRPr sz="1200">
+                <a:solidFill>
+                  <a:schemeClr val="tx1"/>
+                </a:solidFill>
+                <a:latin typeface="Arial" panose="020B0604020202020204" pitchFamily="34" charset="0"/>
+              </a:defRPr>
+            </a:lvl5pPr>
+            <a:lvl6pPr eaLnBrk="0" fontAlgn="base" hangingPunct="0">
+              <a:spcBef>
+                <a:spcPct val="30000"/>
+              </a:spcBef>
+              <a:spcAft>
+                <a:spcPct val="0"/>
+              </a:spcAft>
+              <a:defRPr sz="1200">
+                <a:solidFill>
+                  <a:schemeClr val="tx1"/>
+                </a:solidFill>
+                <a:latin typeface="Arial" panose="020B0604020202020204" pitchFamily="34" charset="0"/>
+              </a:defRPr>
+            </a:lvl6pPr>
+            <a:lvl7pPr eaLnBrk="0" fontAlgn="base" hangingPunct="0">
+              <a:spcBef>
+                <a:spcPct val="30000"/>
+              </a:spcBef>
+              <a:spcAft>
+                <a:spcPct val="0"/>
+              </a:spcAft>
+              <a:defRPr sz="1200">
+                <a:solidFill>
+                  <a:schemeClr val="tx1"/>
+                </a:solidFill>
+                <a:latin typeface="Arial" panose="020B0604020202020204" pitchFamily="34" charset="0"/>
+              </a:defRPr>
+            </a:lvl7pPr>
+            <a:lvl8pPr eaLnBrk="0" fontAlgn="base" hangingPunct="0">
+              <a:spcBef>
+                <a:spcPct val="30000"/>
+              </a:spcBef>
+              <a:spcAft>
+                <a:spcPct val="0"/>
+              </a:spcAft>
+              <a:defRPr sz="1200">
+                <a:solidFill>
+                  <a:schemeClr val="tx1"/>
+                </a:solidFill>
+                <a:latin typeface="Arial" panose="020B0604020202020204" pitchFamily="34" charset="0"/>
+              </a:defRPr>
+            </a:lvl8pPr>
+            <a:lvl9pPr eaLnBrk="0" fontAlgn="base" hangingPunct="0">
+              <a:spcBef>
+                <a:spcPct val="30000"/>
+              </a:spcBef>
+              <a:spcAft>
+                <a:spcPct val="0"/>
+              </a:spcAft>
+              <a:defRPr sz="1200">
+                <a:solidFill>
+                  <a:schemeClr val="tx1"/>
+                </a:solidFill>
+                <a:latin typeface="Arial" panose="020B0604020202020204" pitchFamily="34" charset="0"/>
+              </a:defRPr>
+            </a:lvl9pPr>
+          </a:lstStyle>
+          <a:p>
+            <a:pPr marL="0" marR="0" lvl="0" indent="0" algn="l" defTabSz="914400" rtl="0" eaLnBrk="0" fontAlgn="base" latinLnBrk="0" hangingPunct="0">
+              <a:lnSpc>
+                <a:spcPct val="100000"/>
+              </a:lnSpc>
+              <a:spcBef>
+                <a:spcPct val="0"/>
+              </a:spcBef>
+              <a:spcAft>
+                <a:spcPct val="0"/>
+              </a:spcAft>
+              <a:buClrTx/>
+              <a:buSzTx/>
+              <a:buFontTx/>
+              <a:buNone/>
+              <a:tabLst/>
+            </a:pPr>
+            <a:r>
+              <a:rPr lang="en-US" altLang="en-US" dirty="0"/>
+              <a:t>Code snippet : </a:t>
+            </a:r>
+          </a:p>
+          <a:p>
+            <a:pPr marL="0" marR="0" lvl="0" indent="0" algn="l" defTabSz="914400" rtl="0" eaLnBrk="0" fontAlgn="base" latinLnBrk="0" hangingPunct="0">
+              <a:lnSpc>
+                <a:spcPct val="100000"/>
+              </a:lnSpc>
+              <a:spcBef>
+                <a:spcPct val="0"/>
+              </a:spcBef>
+              <a:spcAft>
+                <a:spcPct val="0"/>
+              </a:spcAft>
+              <a:buClrTx/>
+              <a:buSzTx/>
+              <a:buFontTx/>
+              <a:buNone/>
+              <a:tabLst/>
+            </a:pPr>
+            <a:endParaRPr lang="en-US" altLang="en-US" dirty="0"/>
+          </a:p>
+          <a:p>
+            <a:pPr marL="0" marR="0" lvl="0" indent="0" algn="l" defTabSz="914400" rtl="0" eaLnBrk="0" fontAlgn="base" latinLnBrk="0" hangingPunct="0">
+              <a:lnSpc>
+                <a:spcPct val="100000"/>
+              </a:lnSpc>
+              <a:spcBef>
+                <a:spcPct val="0"/>
+              </a:spcBef>
+              <a:spcAft>
+                <a:spcPct val="0"/>
+              </a:spcAft>
+              <a:buClrTx/>
+              <a:buSzTx/>
+              <a:buFontTx/>
+              <a:buNone/>
+              <a:tabLst/>
+            </a:pPr>
+            <a:r>
+              <a:rPr kumimoji="0" lang="en-US" altLang="en-US" sz="1200" b="0" i="0" u="none" strike="noStrike" cap="none" normalizeH="0" baseline="0" dirty="0">
+                <a:ln>
+                  <a:noFill/>
+                </a:ln>
+                <a:solidFill>
+                  <a:schemeClr val="tx1"/>
+                </a:solidFill>
+                <a:effectLst/>
+                <a:latin typeface="Arial" panose="020B0604020202020204" pitchFamily="34" charset="0"/>
+              </a:rPr>
+              <a:t>seq</a:t>
+            </a:r>
+            <a:r>
+              <a:rPr kumimoji="0" lang="en-US" altLang="en-US" sz="1000" b="0" i="0" u="none" strike="noStrike" cap="none" normalizeH="0" baseline="0" dirty="0">
+                <a:ln>
+                  <a:noFill/>
+                </a:ln>
+                <a:solidFill>
+                  <a:srgbClr val="333333"/>
+                </a:solidFill>
+                <a:effectLst/>
+                <a:latin typeface="Courier New" panose="02070309020205020404" pitchFamily="49" charset="0"/>
+              </a:rPr>
+              <a:t> </a:t>
+            </a:r>
+            <a:r>
+              <a:rPr kumimoji="0" lang="en-US" altLang="en-US" sz="1800" b="0" i="0" u="none" strike="noStrike" cap="none" normalizeH="0" baseline="0" dirty="0">
+                <a:ln>
+                  <a:noFill/>
+                </a:ln>
+                <a:solidFill>
+                  <a:srgbClr val="666666"/>
+                </a:solidFill>
+                <a:effectLst/>
+                <a:latin typeface="Arial" panose="020B0604020202020204" pitchFamily="34" charset="0"/>
+              </a:rPr>
+              <a:t>=</a:t>
+            </a:r>
+            <a:r>
+              <a:rPr kumimoji="0" lang="en-US" altLang="en-US" sz="1000" b="0" i="0" u="none" strike="noStrike" cap="none" normalizeH="0" baseline="0" dirty="0">
+                <a:ln>
+                  <a:noFill/>
+                </a:ln>
+                <a:solidFill>
+                  <a:srgbClr val="333333"/>
+                </a:solidFill>
+                <a:effectLst/>
+                <a:latin typeface="Courier New" panose="02070309020205020404" pitchFamily="49" charset="0"/>
+              </a:rPr>
+              <a:t> </a:t>
+            </a:r>
+            <a:r>
+              <a:rPr kumimoji="0" lang="en-US" altLang="en-US" sz="1200" b="0" i="0" u="none" strike="noStrike" cap="none" normalizeH="0" baseline="0" dirty="0" err="1">
+                <a:ln>
+                  <a:noFill/>
+                </a:ln>
+                <a:solidFill>
+                  <a:schemeClr val="tx1"/>
+                </a:solidFill>
+                <a:effectLst/>
+                <a:latin typeface="Arial" panose="020B0604020202020204" pitchFamily="34" charset="0"/>
+              </a:rPr>
+              <a:t>iaa</a:t>
+            </a:r>
+            <a:r>
+              <a:rPr kumimoji="0" lang="en-US" altLang="en-US" sz="1800" b="0" i="0" u="none" strike="noStrike" cap="none" normalizeH="0" baseline="0" dirty="0" err="1">
+                <a:ln>
+                  <a:noFill/>
+                </a:ln>
+                <a:solidFill>
+                  <a:srgbClr val="666666"/>
+                </a:solidFill>
+                <a:effectLst/>
+                <a:latin typeface="Arial" panose="020B0604020202020204" pitchFamily="34" charset="0"/>
+              </a:rPr>
+              <a:t>.</a:t>
+            </a:r>
+            <a:r>
+              <a:rPr kumimoji="0" lang="en-US" altLang="en-US" sz="1200" b="0" i="0" u="none" strike="noStrike" cap="none" normalizeH="0" baseline="0" dirty="0" err="1">
+                <a:ln>
+                  <a:noFill/>
+                </a:ln>
+                <a:solidFill>
+                  <a:schemeClr val="tx1"/>
+                </a:solidFill>
+                <a:effectLst/>
+                <a:latin typeface="Arial" panose="020B0604020202020204" pitchFamily="34" charset="0"/>
+              </a:rPr>
+              <a:t>Sequential</a:t>
+            </a:r>
+            <a:r>
+              <a:rPr kumimoji="0" lang="en-US" altLang="en-US" sz="1000" b="0" i="0" u="none" strike="noStrike" cap="none" normalizeH="0" baseline="0" dirty="0">
+                <a:ln>
+                  <a:noFill/>
+                </a:ln>
+                <a:solidFill>
+                  <a:srgbClr val="333333"/>
+                </a:solidFill>
+                <a:effectLst/>
+                <a:latin typeface="Courier New" panose="02070309020205020404" pitchFamily="49" charset="0"/>
+              </a:rPr>
+              <a:t>([ </a:t>
+            </a:r>
+            <a:r>
+              <a:rPr kumimoji="0" lang="en-US" altLang="en-US" sz="1200" b="0" i="0" u="none" strike="noStrike" cap="none" normalizeH="0" baseline="0" dirty="0" err="1">
+                <a:ln>
+                  <a:noFill/>
+                </a:ln>
+                <a:solidFill>
+                  <a:schemeClr val="tx1"/>
+                </a:solidFill>
+                <a:effectLst/>
+                <a:latin typeface="Arial" panose="020B0604020202020204" pitchFamily="34" charset="0"/>
+              </a:rPr>
+              <a:t>iaa</a:t>
+            </a:r>
+            <a:r>
+              <a:rPr kumimoji="0" lang="en-US" altLang="en-US" sz="1800" b="0" i="0" u="none" strike="noStrike" cap="none" normalizeH="0" baseline="0" dirty="0" err="1">
+                <a:ln>
+                  <a:noFill/>
+                </a:ln>
+                <a:solidFill>
+                  <a:srgbClr val="666666"/>
+                </a:solidFill>
+                <a:effectLst/>
+                <a:latin typeface="Arial" panose="020B0604020202020204" pitchFamily="34" charset="0"/>
+              </a:rPr>
+              <a:t>.</a:t>
+            </a:r>
+            <a:r>
+              <a:rPr kumimoji="0" lang="en-US" altLang="en-US" sz="1200" b="0" i="0" u="none" strike="noStrike" cap="none" normalizeH="0" baseline="0" dirty="0" err="1">
+                <a:ln>
+                  <a:noFill/>
+                </a:ln>
+                <a:solidFill>
+                  <a:schemeClr val="tx1"/>
+                </a:solidFill>
+                <a:effectLst/>
+                <a:latin typeface="Arial" panose="020B0604020202020204" pitchFamily="34" charset="0"/>
+              </a:rPr>
+              <a:t>Affine</a:t>
+            </a:r>
+            <a:r>
+              <a:rPr kumimoji="0" lang="en-US" altLang="en-US" sz="1000" b="0" i="0" u="none" strike="noStrike" cap="none" normalizeH="0" baseline="0" dirty="0">
+                <a:ln>
+                  <a:noFill/>
+                </a:ln>
+                <a:solidFill>
+                  <a:srgbClr val="333333"/>
+                </a:solidFill>
+                <a:effectLst/>
+                <a:latin typeface="Courier New" panose="02070309020205020404" pitchFamily="49" charset="0"/>
+              </a:rPr>
+              <a:t>(</a:t>
+            </a:r>
+          </a:p>
+          <a:p>
+            <a:pPr marL="0" marR="0" lvl="0" indent="0" algn="l" defTabSz="914400" rtl="0" eaLnBrk="0" fontAlgn="base" latinLnBrk="0" hangingPunct="0">
+              <a:lnSpc>
+                <a:spcPct val="100000"/>
+              </a:lnSpc>
+              <a:spcBef>
+                <a:spcPct val="0"/>
+              </a:spcBef>
+              <a:spcAft>
+                <a:spcPct val="0"/>
+              </a:spcAft>
+              <a:buClrTx/>
+              <a:buSzTx/>
+              <a:buFontTx/>
+              <a:buNone/>
+              <a:tabLst/>
+            </a:pPr>
+            <a:r>
+              <a:rPr kumimoji="0" lang="en-US" altLang="en-US" sz="1200" b="0" i="0" u="none" strike="noStrike" cap="none" normalizeH="0" baseline="0" dirty="0">
+                <a:ln>
+                  <a:noFill/>
+                </a:ln>
+                <a:solidFill>
+                  <a:schemeClr val="tx1"/>
+                </a:solidFill>
+                <a:effectLst/>
+                <a:latin typeface="Arial" panose="020B0604020202020204" pitchFamily="34" charset="0"/>
+              </a:rPr>
+              <a:t>rotate</a:t>
+            </a:r>
+            <a:r>
+              <a:rPr kumimoji="0" lang="en-US" altLang="en-US" sz="1800" b="0" i="0" u="none" strike="noStrike" cap="none" normalizeH="0" baseline="0" dirty="0">
+                <a:ln>
+                  <a:noFill/>
+                </a:ln>
+                <a:solidFill>
+                  <a:srgbClr val="666666"/>
+                </a:solidFill>
+                <a:effectLst/>
+                <a:latin typeface="Arial" panose="020B0604020202020204" pitchFamily="34" charset="0"/>
+              </a:rPr>
+              <a:t>=</a:t>
+            </a:r>
+            <a:r>
+              <a:rPr kumimoji="0" lang="en-US" altLang="en-US" sz="1000" b="0" i="0" u="none" strike="noStrike" cap="none" normalizeH="0" baseline="0" dirty="0">
+                <a:ln>
+                  <a:noFill/>
+                </a:ln>
+                <a:solidFill>
+                  <a:srgbClr val="333333"/>
+                </a:solidFill>
+                <a:effectLst/>
+                <a:latin typeface="Courier New" panose="02070309020205020404" pitchFamily="49" charset="0"/>
+              </a:rPr>
+              <a:t>(</a:t>
+            </a:r>
+            <a:r>
+              <a:rPr kumimoji="0" lang="en-US" altLang="en-US" sz="1800" b="0" i="0" u="none" strike="noStrike" cap="none" normalizeH="0" baseline="0" dirty="0">
+                <a:ln>
+                  <a:noFill/>
+                </a:ln>
+                <a:solidFill>
+                  <a:srgbClr val="666666"/>
+                </a:solidFill>
+                <a:effectLst/>
+                <a:latin typeface="Arial" panose="020B0604020202020204" pitchFamily="34" charset="0"/>
+              </a:rPr>
+              <a:t>-</a:t>
+            </a:r>
+            <a:r>
+              <a:rPr kumimoji="0" lang="en-US" altLang="en-US" sz="1000" b="0" i="0" u="none" strike="noStrike" cap="none" normalizeH="0" baseline="0" dirty="0">
+                <a:ln>
+                  <a:noFill/>
+                </a:ln>
+                <a:solidFill>
+                  <a:srgbClr val="666666"/>
+                </a:solidFill>
+                <a:effectLst/>
+                <a:latin typeface="Courier New" panose="02070309020205020404" pitchFamily="49" charset="0"/>
+              </a:rPr>
+              <a:t>20</a:t>
+            </a:r>
+            <a:r>
+              <a:rPr kumimoji="0" lang="en-US" altLang="en-US" sz="1000" b="0" i="0" u="none" strike="noStrike" cap="none" normalizeH="0" baseline="0" dirty="0">
+                <a:ln>
+                  <a:noFill/>
+                </a:ln>
+                <a:solidFill>
+                  <a:srgbClr val="333333"/>
+                </a:solidFill>
+                <a:effectLst/>
+                <a:latin typeface="Courier New" panose="02070309020205020404" pitchFamily="49" charset="0"/>
+              </a:rPr>
+              <a:t>, </a:t>
+            </a:r>
+            <a:r>
+              <a:rPr kumimoji="0" lang="en-US" altLang="en-US" sz="1000" b="0" i="0" u="none" strike="noStrike" cap="none" normalizeH="0" baseline="0" dirty="0">
+                <a:ln>
+                  <a:noFill/>
+                </a:ln>
+                <a:solidFill>
+                  <a:srgbClr val="666666"/>
+                </a:solidFill>
+                <a:effectLst/>
+                <a:latin typeface="Courier New" panose="02070309020205020404" pitchFamily="49" charset="0"/>
+              </a:rPr>
+              <a:t>20</a:t>
+            </a:r>
+            <a:r>
+              <a:rPr kumimoji="0" lang="en-US" altLang="en-US" sz="1000" b="0" i="0" u="none" strike="noStrike" cap="none" normalizeH="0" baseline="0" dirty="0">
+                <a:ln>
+                  <a:noFill/>
+                </a:ln>
+                <a:solidFill>
+                  <a:srgbClr val="333333"/>
+                </a:solidFill>
+                <a:effectLst/>
+                <a:latin typeface="Courier New" panose="02070309020205020404" pitchFamily="49" charset="0"/>
+              </a:rPr>
+              <a:t>) </a:t>
+            </a:r>
+          </a:p>
+          <a:p>
+            <a:pPr marL="0" marR="0" lvl="0" indent="0" algn="l" defTabSz="914400" rtl="0" eaLnBrk="0" fontAlgn="base" latinLnBrk="0" hangingPunct="0">
+              <a:lnSpc>
+                <a:spcPct val="100000"/>
+              </a:lnSpc>
+              <a:spcBef>
+                <a:spcPct val="0"/>
+              </a:spcBef>
+              <a:spcAft>
+                <a:spcPct val="0"/>
+              </a:spcAft>
+              <a:buClrTx/>
+              <a:buSzTx/>
+              <a:buFontTx/>
+              <a:buNone/>
+              <a:tabLst/>
+            </a:pPr>
+            <a:r>
+              <a:rPr kumimoji="0" lang="en-US" altLang="en-US" sz="1200" b="0" i="0" u="none" strike="noStrike" cap="none" normalizeH="0" baseline="0" dirty="0">
+                <a:ln>
+                  <a:noFill/>
+                </a:ln>
+                <a:solidFill>
+                  <a:schemeClr val="tx1"/>
+                </a:solidFill>
+                <a:effectLst/>
+                <a:latin typeface="Arial" panose="020B0604020202020204" pitchFamily="34" charset="0"/>
+              </a:rPr>
+              <a:t>shear</a:t>
+            </a:r>
+            <a:r>
+              <a:rPr kumimoji="0" lang="en-US" altLang="en-US" sz="1000" b="0" i="0" u="none" strike="noStrike" cap="none" normalizeH="0" baseline="0" dirty="0">
+                <a:ln>
+                  <a:noFill/>
+                </a:ln>
+                <a:solidFill>
+                  <a:srgbClr val="333333"/>
+                </a:solidFill>
+                <a:effectLst/>
+                <a:latin typeface="Courier New" panose="02070309020205020404" pitchFamily="49" charset="0"/>
+              </a:rPr>
+              <a:t> </a:t>
+            </a:r>
+            <a:r>
+              <a:rPr kumimoji="0" lang="en-US" altLang="en-US" sz="1800" b="0" i="0" u="none" strike="noStrike" cap="none" normalizeH="0" baseline="0" dirty="0">
+                <a:ln>
+                  <a:noFill/>
+                </a:ln>
+                <a:solidFill>
+                  <a:srgbClr val="666666"/>
+                </a:solidFill>
+                <a:effectLst/>
+                <a:latin typeface="Arial" panose="020B0604020202020204" pitchFamily="34" charset="0"/>
+              </a:rPr>
+              <a:t>=</a:t>
+            </a:r>
+            <a:r>
+              <a:rPr kumimoji="0" lang="en-US" altLang="en-US" sz="1000" b="0" i="0" u="none" strike="noStrike" cap="none" normalizeH="0" baseline="0" dirty="0">
+                <a:ln>
+                  <a:noFill/>
+                </a:ln>
+                <a:solidFill>
+                  <a:srgbClr val="333333"/>
+                </a:solidFill>
+                <a:effectLst/>
+                <a:latin typeface="Courier New" panose="02070309020205020404" pitchFamily="49" charset="0"/>
+              </a:rPr>
+              <a:t> (</a:t>
+            </a:r>
+            <a:r>
+              <a:rPr kumimoji="0" lang="en-US" altLang="en-US" sz="1000" b="0" i="0" u="none" strike="noStrike" cap="none" normalizeH="0" baseline="0" dirty="0">
+                <a:ln>
+                  <a:noFill/>
+                </a:ln>
+                <a:solidFill>
+                  <a:srgbClr val="666666"/>
+                </a:solidFill>
+                <a:effectLst/>
+                <a:latin typeface="Courier New" panose="02070309020205020404" pitchFamily="49" charset="0"/>
+              </a:rPr>
+              <a:t>10</a:t>
+            </a:r>
+            <a:r>
+              <a:rPr kumimoji="0" lang="en-US" altLang="en-US" sz="1000" b="0" i="0" u="none" strike="noStrike" cap="none" normalizeH="0" baseline="0" dirty="0">
+                <a:ln>
+                  <a:noFill/>
+                </a:ln>
+                <a:solidFill>
+                  <a:srgbClr val="333333"/>
+                </a:solidFill>
+                <a:effectLst/>
+                <a:latin typeface="Courier New" panose="02070309020205020404" pitchFamily="49" charset="0"/>
+              </a:rPr>
+              <a:t>,</a:t>
+            </a:r>
+            <a:r>
+              <a:rPr kumimoji="0" lang="en-US" altLang="en-US" sz="1800" b="0" i="0" u="none" strike="noStrike" cap="none" normalizeH="0" baseline="0" dirty="0">
+                <a:ln>
+                  <a:noFill/>
+                </a:ln>
+                <a:solidFill>
+                  <a:srgbClr val="666666"/>
+                </a:solidFill>
+                <a:effectLst/>
+                <a:latin typeface="Arial" panose="020B0604020202020204" pitchFamily="34" charset="0"/>
+              </a:rPr>
+              <a:t>-</a:t>
+            </a:r>
+            <a:r>
+              <a:rPr kumimoji="0" lang="en-US" altLang="en-US" sz="1000" b="0" i="0" u="none" strike="noStrike" cap="none" normalizeH="0" baseline="0" dirty="0">
+                <a:ln>
+                  <a:noFill/>
+                </a:ln>
+                <a:solidFill>
+                  <a:srgbClr val="666666"/>
+                </a:solidFill>
+                <a:effectLst/>
+                <a:latin typeface="Courier New" panose="02070309020205020404" pitchFamily="49" charset="0"/>
+              </a:rPr>
+              <a:t>10</a:t>
+            </a:r>
+            <a:r>
+              <a:rPr kumimoji="0" lang="en-US" altLang="en-US" sz="1000" b="0" i="0" u="none" strike="noStrike" cap="none" normalizeH="0" baseline="0" dirty="0">
+                <a:ln>
+                  <a:noFill/>
+                </a:ln>
+                <a:solidFill>
+                  <a:srgbClr val="333333"/>
+                </a:solidFill>
+                <a:effectLst/>
+                <a:latin typeface="Courier New" panose="02070309020205020404" pitchFamily="49" charset="0"/>
+              </a:rPr>
+              <a:t>)) ])</a:t>
+            </a:r>
+            <a:r>
+              <a:rPr kumimoji="0" lang="en-US" altLang="en-US" sz="800" b="0" i="0" u="none" strike="noStrike" cap="none" normalizeH="0" baseline="0" dirty="0">
+                <a:ln>
+                  <a:noFill/>
+                </a:ln>
+                <a:solidFill>
+                  <a:schemeClr val="tx1"/>
+                </a:solidFill>
+                <a:effectLst/>
+              </a:rPr>
+              <a:t> </a:t>
+            </a:r>
+            <a:endParaRPr kumimoji="0" lang="en-US" altLang="en-US" sz="1200" b="0" i="0" u="none" strike="noStrike" cap="none" normalizeH="0" baseline="0" dirty="0">
+              <a:ln>
+                <a:noFill/>
+              </a:ln>
+              <a:solidFill>
+                <a:schemeClr val="tx1"/>
+              </a:solidFill>
+              <a:effectLst/>
+              <a:latin typeface="Arial" panose="020B0604020202020204" pitchFamily="34" charset="0"/>
+            </a:endParaRPr>
+          </a:p>
+        </p:txBody>
+      </p:sp>
     </p:spTree>
     <p:extLst>
       <p:ext uri="{BB962C8B-B14F-4D97-AF65-F5344CB8AC3E}">
@@ -6115,7 +7139,7 @@
         </p:blipFill>
         <p:spPr>
           <a:xfrm>
-            <a:off x="1257609" y="1386366"/>
+            <a:off x="1257609" y="518602"/>
             <a:ext cx="3592513" cy="5471633"/>
           </a:xfrm>
         </p:spPr>
@@ -6142,7 +7166,7 @@
         </p:blipFill>
         <p:spPr>
           <a:xfrm>
-            <a:off x="4850122" y="1386366"/>
+            <a:off x="4850122" y="518603"/>
             <a:ext cx="3592513" cy="5471633"/>
           </a:xfrm>
           <a:prstGeom prst="rect">
@@ -6172,7 +7196,7 @@
         </p:blipFill>
         <p:spPr>
           <a:xfrm>
-            <a:off x="8442635" y="1386366"/>
+            <a:off x="8442635" y="518602"/>
             <a:ext cx="3749365" cy="5471634"/>
           </a:xfrm>
           <a:prstGeom prst="rect">
@@ -6211,6 +7235,111 @@
             <a:r>
               <a:rPr lang="en-US" sz="2800" b="1" dirty="0"/>
               <a:t>Model Performances / Histories</a:t>
+            </a:r>
+          </a:p>
+        </p:txBody>
+      </p:sp>
+      <p:sp>
+        <p:nvSpPr>
+          <p:cNvPr id="2" name="TextBox 1">
+            <a:extLst>
+              <a:ext uri="{FF2B5EF4-FFF2-40B4-BE49-F238E27FC236}">
+                <a16:creationId xmlns:a16="http://schemas.microsoft.com/office/drawing/2014/main" id="{EAE3D5BC-847F-4CB5-A52B-96022AD81C31}"/>
+              </a:ext>
+            </a:extLst>
+          </p:cNvPr>
+          <p:cNvSpPr txBox="1"/>
+          <p:nvPr/>
+        </p:nvSpPr>
+        <p:spPr>
+          <a:xfrm>
+            <a:off x="1485904" y="6065365"/>
+            <a:ext cx="3592513" cy="646331"/>
+          </a:xfrm>
+          <a:prstGeom prst="rect">
+            <a:avLst/>
+          </a:prstGeom>
+          <a:noFill/>
+        </p:spPr>
+        <p:txBody>
+          <a:bodyPr wrap="square" rtlCol="0">
+            <a:spAutoFit/>
+          </a:bodyPr>
+          <a:lstStyle/>
+          <a:p>
+            <a:r>
+              <a:rPr lang="en-US" dirty="0"/>
+              <a:t>Image 1:  ResNet50V2 Model accuracy and Loss plot</a:t>
+            </a:r>
+          </a:p>
+        </p:txBody>
+      </p:sp>
+      <p:sp>
+        <p:nvSpPr>
+          <p:cNvPr id="8" name="TextBox 7">
+            <a:extLst>
+              <a:ext uri="{FF2B5EF4-FFF2-40B4-BE49-F238E27FC236}">
+                <a16:creationId xmlns:a16="http://schemas.microsoft.com/office/drawing/2014/main" id="{45274FCC-AFFF-4B01-8FD1-CBFF15A5F5D8}"/>
+              </a:ext>
+            </a:extLst>
+          </p:cNvPr>
+          <p:cNvSpPr txBox="1"/>
+          <p:nvPr/>
+        </p:nvSpPr>
+        <p:spPr>
+          <a:xfrm>
+            <a:off x="5212080" y="6016231"/>
+            <a:ext cx="3592513" cy="646331"/>
+          </a:xfrm>
+          <a:prstGeom prst="rect">
+            <a:avLst/>
+          </a:prstGeom>
+          <a:noFill/>
+        </p:spPr>
+        <p:txBody>
+          <a:bodyPr wrap="square" rtlCol="0">
+            <a:spAutoFit/>
+          </a:bodyPr>
+          <a:lstStyle/>
+          <a:p>
+            <a:r>
+              <a:rPr lang="en-US" dirty="0"/>
+              <a:t>Image 2:  CNN based Model accuracy and Loss plot</a:t>
+            </a:r>
+          </a:p>
+        </p:txBody>
+      </p:sp>
+      <p:sp>
+        <p:nvSpPr>
+          <p:cNvPr id="11" name="TextBox 10">
+            <a:extLst>
+              <a:ext uri="{FF2B5EF4-FFF2-40B4-BE49-F238E27FC236}">
+                <a16:creationId xmlns:a16="http://schemas.microsoft.com/office/drawing/2014/main" id="{354FF401-E578-4666-A635-57590C03D0CC}"/>
+              </a:ext>
+            </a:extLst>
+          </p:cNvPr>
+          <p:cNvSpPr txBox="1"/>
+          <p:nvPr/>
+        </p:nvSpPr>
+        <p:spPr>
+          <a:xfrm>
+            <a:off x="8537267" y="5955177"/>
+            <a:ext cx="3592513" cy="646331"/>
+          </a:xfrm>
+          <a:prstGeom prst="rect">
+            <a:avLst/>
+          </a:prstGeom>
+          <a:noFill/>
+        </p:spPr>
+        <p:txBody>
+          <a:bodyPr wrap="square" rtlCol="0">
+            <a:spAutoFit/>
+          </a:bodyPr>
+          <a:lstStyle/>
+          <a:p>
+            <a:r>
+              <a:rPr lang="en-US" dirty="0"/>
+              <a:t>Image 3:  VGG19 Model accuracy and Loss plot</a:t>
             </a:r>
           </a:p>
         </p:txBody>

--- a/Capstone Project 3/Capstone Project 3 Presentation.pptx
+++ b/Capstone Project 3/Capstone Project 3 Presentation.pptx
@@ -6264,7 +6264,7 @@
           <a:p>
             <a:r>
               <a:rPr lang="en-US" dirty="0"/>
-              <a:t>Image : Sample Augmented Image and Original Images.</a:t>
+              <a:t>Image : Sample Augmented Images and Original Images.</a:t>
             </a:r>
           </a:p>
         </p:txBody>

--- a/Capstone Project 3/Capstone Project 3 Presentation.pptx
+++ b/Capstone Project 3/Capstone Project 3 Presentation.pptx
@@ -4425,7 +4425,7 @@
             </a:pPr>
             <a:r>
               <a:rPr lang="en-US" dirty="0"/>
-              <a:t>Important Observation : </a:t>
+              <a:t>Important Observations : </a:t>
             </a:r>
           </a:p>
           <a:p>
@@ -4997,7 +4997,15 @@
             </a:pPr>
             <a:r>
               <a:rPr lang="en-US" dirty="0"/>
-              <a:t>precision for Class 21 is comparatively low.</a:t>
+              <a:t>P</a:t>
+            </a:r>
+            <a:r>
+              <a:rPr lang="en-US"/>
+              <a:t>recision </a:t>
+            </a:r>
+            <a:r>
+              <a:rPr lang="en-US" dirty="0"/>
+              <a:t>for Class 21 is comparatively low.</a:t>
             </a:r>
           </a:p>
           <a:p>
